--- a/Calendario/Presentaciones/13_Diccionarios.pptx
+++ b/Calendario/Presentaciones/13_Diccionarios.pptx
@@ -220,7 +220,7 @@
           <a:p>
             <a:fld id="{59C7E2AA-6A4C-4042-9554-ED2A913B287A}" type="datetimeFigureOut">
               <a:rPr lang="es-MX" smtClean="0"/>
-              <a:t>21/01/2022</a:t>
+              <a:t>22/05/2022</a:t>
             </a:fld>
             <a:endParaRPr lang="es-MX" dirty="0"/>
           </a:p>
@@ -2143,7 +2143,7 @@
           <a:p>
             <a:fld id="{BAE3B62E-9D6B-4C41-BFE5-D19C53A0513B}" type="datetimeFigureOut">
               <a:rPr lang="es-MX" smtClean="0"/>
-              <a:t>21/01/2022</a:t>
+              <a:t>22/05/2022</a:t>
             </a:fld>
             <a:endParaRPr lang="es-MX" dirty="0"/>
           </a:p>
@@ -2313,7 +2313,7 @@
           <a:p>
             <a:fld id="{BAE3B62E-9D6B-4C41-BFE5-D19C53A0513B}" type="datetimeFigureOut">
               <a:rPr lang="es-MX" smtClean="0"/>
-              <a:t>21/01/2022</a:t>
+              <a:t>22/05/2022</a:t>
             </a:fld>
             <a:endParaRPr lang="es-MX" dirty="0"/>
           </a:p>
@@ -2493,7 +2493,7 @@
           <a:p>
             <a:fld id="{BAE3B62E-9D6B-4C41-BFE5-D19C53A0513B}" type="datetimeFigureOut">
               <a:rPr lang="es-MX" smtClean="0"/>
-              <a:t>21/01/2022</a:t>
+              <a:t>22/05/2022</a:t>
             </a:fld>
             <a:endParaRPr lang="es-MX" dirty="0"/>
           </a:p>
@@ -2646,7 +2646,7 @@
           <a:p>
             <a:fld id="{1D8BD707-D9CF-40AE-B4C6-C98DA3205C09}" type="datetimeFigureOut">
               <a:rPr lang="en-US" smtClean="0"/>
-              <a:t>1/21/2022</a:t>
+              <a:t>5/22/2022</a:t>
             </a:fld>
             <a:endParaRPr lang="en-US"/>
           </a:p>
@@ -2806,7 +2806,7 @@
           <a:p>
             <a:fld id="{BAE3B62E-9D6B-4C41-BFE5-D19C53A0513B}" type="datetimeFigureOut">
               <a:rPr lang="es-MX" smtClean="0"/>
-              <a:t>21/01/2022</a:t>
+              <a:t>22/05/2022</a:t>
             </a:fld>
             <a:endParaRPr lang="es-MX" dirty="0"/>
           </a:p>
@@ -3052,7 +3052,7 @@
           <a:p>
             <a:fld id="{BAE3B62E-9D6B-4C41-BFE5-D19C53A0513B}" type="datetimeFigureOut">
               <a:rPr lang="es-MX" smtClean="0"/>
-              <a:t>21/01/2022</a:t>
+              <a:t>22/05/2022</a:t>
             </a:fld>
             <a:endParaRPr lang="es-MX" dirty="0"/>
           </a:p>
@@ -3340,7 +3340,7 @@
           <a:p>
             <a:fld id="{BAE3B62E-9D6B-4C41-BFE5-D19C53A0513B}" type="datetimeFigureOut">
               <a:rPr lang="es-MX" smtClean="0"/>
-              <a:t>21/01/2022</a:t>
+              <a:t>22/05/2022</a:t>
             </a:fld>
             <a:endParaRPr lang="es-MX" dirty="0"/>
           </a:p>
@@ -3762,7 +3762,7 @@
           <a:p>
             <a:fld id="{BAE3B62E-9D6B-4C41-BFE5-D19C53A0513B}" type="datetimeFigureOut">
               <a:rPr lang="es-MX" smtClean="0"/>
-              <a:t>21/01/2022</a:t>
+              <a:t>22/05/2022</a:t>
             </a:fld>
             <a:endParaRPr lang="es-MX" dirty="0"/>
           </a:p>
@@ -3880,7 +3880,7 @@
           <a:p>
             <a:fld id="{BAE3B62E-9D6B-4C41-BFE5-D19C53A0513B}" type="datetimeFigureOut">
               <a:rPr lang="es-MX" smtClean="0"/>
-              <a:t>21/01/2022</a:t>
+              <a:t>22/05/2022</a:t>
             </a:fld>
             <a:endParaRPr lang="es-MX" dirty="0"/>
           </a:p>
@@ -3975,7 +3975,7 @@
           <a:p>
             <a:fld id="{BAE3B62E-9D6B-4C41-BFE5-D19C53A0513B}" type="datetimeFigureOut">
               <a:rPr lang="es-MX" smtClean="0"/>
-              <a:t>21/01/2022</a:t>
+              <a:t>22/05/2022</a:t>
             </a:fld>
             <a:endParaRPr lang="es-MX" dirty="0"/>
           </a:p>
@@ -4252,7 +4252,7 @@
           <a:p>
             <a:fld id="{BAE3B62E-9D6B-4C41-BFE5-D19C53A0513B}" type="datetimeFigureOut">
               <a:rPr lang="es-MX" smtClean="0"/>
-              <a:t>21/01/2022</a:t>
+              <a:t>22/05/2022</a:t>
             </a:fld>
             <a:endParaRPr lang="es-MX" dirty="0"/>
           </a:p>
@@ -4505,7 +4505,7 @@
           <a:p>
             <a:fld id="{BAE3B62E-9D6B-4C41-BFE5-D19C53A0513B}" type="datetimeFigureOut">
               <a:rPr lang="es-MX" smtClean="0"/>
-              <a:t>21/01/2022</a:t>
+              <a:t>22/05/2022</a:t>
             </a:fld>
             <a:endParaRPr lang="es-MX" dirty="0"/>
           </a:p>
@@ -4718,7 +4718,7 @@
           <a:p>
             <a:fld id="{BAE3B62E-9D6B-4C41-BFE5-D19C53A0513B}" type="datetimeFigureOut">
               <a:rPr lang="es-MX" smtClean="0"/>
-              <a:t>21/01/2022</a:t>
+              <a:t>22/05/2022</a:t>
             </a:fld>
             <a:endParaRPr lang="es-MX" dirty="0"/>
           </a:p>
@@ -8457,7 +8457,55 @@
                 <a:latin typeface="Arial" pitchFamily="34" charset="0"/>
                 <a:cs typeface="Arial" pitchFamily="34" charset="0"/>
               </a:rPr>
-              <a:t>Las parejas de clave y valor se separan con </a:t>
+              <a:t>Las parejas de </a:t>
+            </a:r>
+            <a:r>
+              <a:rPr lang="es-ES" sz="2300" b="1" dirty="0">
+                <a:solidFill>
+                  <a:schemeClr val="accent6">
+                    <a:lumMod val="75000"/>
+                  </a:schemeClr>
+                </a:solidFill>
+                <a:latin typeface="Arial" pitchFamily="34" charset="0"/>
+                <a:cs typeface="Arial" pitchFamily="34" charset="0"/>
+              </a:rPr>
+              <a:t>clave</a:t>
+            </a:r>
+            <a:r>
+              <a:rPr lang="es-ES" sz="2300" dirty="0">
+                <a:solidFill>
+                  <a:schemeClr val="bg2">
+                    <a:lumMod val="25000"/>
+                  </a:schemeClr>
+                </a:solidFill>
+                <a:latin typeface="Arial" pitchFamily="34" charset="0"/>
+                <a:cs typeface="Arial" pitchFamily="34" charset="0"/>
+              </a:rPr>
+              <a:t> y </a:t>
+            </a:r>
+            <a:r>
+              <a:rPr lang="es-ES" sz="2300" b="1" dirty="0">
+                <a:solidFill>
+                  <a:schemeClr val="bg2">
+                    <a:lumMod val="25000"/>
+                  </a:schemeClr>
+                </a:solidFill>
+                <a:latin typeface="Arial" pitchFamily="34" charset="0"/>
+                <a:cs typeface="Arial" pitchFamily="34" charset="0"/>
+              </a:rPr>
+              <a:t>valor</a:t>
+            </a:r>
+            <a:r>
+              <a:rPr lang="es-ES" sz="2300" dirty="0">
+                <a:solidFill>
+                  <a:schemeClr val="bg2">
+                    <a:lumMod val="25000"/>
+                  </a:schemeClr>
+                </a:solidFill>
+                <a:latin typeface="Arial" pitchFamily="34" charset="0"/>
+                <a:cs typeface="Arial" pitchFamily="34" charset="0"/>
+              </a:rPr>
+              <a:t> se separan con </a:t>
             </a:r>
             <a:r>
               <a:rPr lang="es-ES" sz="2300" b="1" dirty="0">
@@ -8618,8 +8666,8 @@
         </p:nvSpPr>
         <p:spPr bwMode="auto">
           <a:xfrm>
-            <a:off x="389159" y="3833082"/>
-            <a:ext cx="8596606" cy="1987533"/>
+            <a:off x="-8925" y="3861048"/>
+            <a:ext cx="9152925" cy="1987533"/>
           </a:xfrm>
           <a:prstGeom prst="rect">
             <a:avLst/>
@@ -8720,7 +8768,19 @@
                 <a:latin typeface="Arial" pitchFamily="34" charset="0"/>
                 <a:cs typeface="Arial" pitchFamily="34" charset="0"/>
               </a:rPr>
-              <a:t>                        "nombre" </a:t>
+              <a:t>                        </a:t>
+            </a:r>
+            <a:r>
+              <a:rPr lang="es-ES" sz="2300" b="1" dirty="0">
+                <a:solidFill>
+                  <a:schemeClr val="accent6">
+                    <a:lumMod val="75000"/>
+                  </a:schemeClr>
+                </a:solidFill>
+                <a:latin typeface="Arial" pitchFamily="34" charset="0"/>
+                <a:cs typeface="Arial" pitchFamily="34" charset="0"/>
+              </a:rPr>
+              <a:t>"nombre" </a:t>
             </a:r>
             <a:r>
               <a:rPr lang="es-ES" sz="2300" b="1" dirty="0">
@@ -8742,7 +8802,19 @@
                 <a:latin typeface="Arial" pitchFamily="34" charset="0"/>
                 <a:cs typeface="Arial" pitchFamily="34" charset="0"/>
               </a:rPr>
-              <a:t> "Laura"</a:t>
+              <a:t> </a:t>
+            </a:r>
+            <a:r>
+              <a:rPr lang="es-ES" sz="2300" b="1" dirty="0">
+                <a:solidFill>
+                  <a:schemeClr val="bg2">
+                    <a:lumMod val="25000"/>
+                  </a:schemeClr>
+                </a:solidFill>
+                <a:latin typeface="Arial" pitchFamily="34" charset="0"/>
+                <a:cs typeface="Arial" pitchFamily="34" charset="0"/>
+              </a:rPr>
+              <a:t>"Laura"</a:t>
             </a:r>
             <a:r>
               <a:rPr lang="es-ES" sz="2300" b="1" dirty="0">
@@ -8783,19 +8855,7 @@
                 <a:latin typeface="Arial" pitchFamily="34" charset="0"/>
                 <a:cs typeface="Arial" pitchFamily="34" charset="0"/>
               </a:rPr>
-              <a:t>                        </a:t>
-            </a:r>
-            <a:r>
-              <a:rPr lang="es-ES" sz="2300" dirty="0">
-                <a:solidFill>
-                  <a:schemeClr val="bg2">
-                    <a:lumMod val="25000"/>
-                  </a:schemeClr>
-                </a:solidFill>
-                <a:latin typeface="Arial" pitchFamily="34" charset="0"/>
-                <a:cs typeface="Arial" pitchFamily="34" charset="0"/>
-              </a:rPr>
-              <a:t>"edad" </a:t>
+              <a:t>                        "edad" </a:t>
             </a:r>
             <a:r>
               <a:rPr lang="es-ES" sz="2300" b="1" dirty="0">
@@ -8817,7 +8877,19 @@
                 <a:latin typeface="Arial" pitchFamily="34" charset="0"/>
                 <a:cs typeface="Arial" pitchFamily="34" charset="0"/>
               </a:rPr>
-              <a:t> 25</a:t>
+              <a:t> </a:t>
+            </a:r>
+            <a:r>
+              <a:rPr lang="es-ES" sz="2300" b="1" dirty="0">
+                <a:solidFill>
+                  <a:schemeClr val="bg2">
+                    <a:lumMod val="25000"/>
+                  </a:schemeClr>
+                </a:solidFill>
+                <a:latin typeface="Arial" pitchFamily="34" charset="0"/>
+                <a:cs typeface="Arial" pitchFamily="34" charset="0"/>
+              </a:rPr>
+              <a:t>25</a:t>
             </a:r>
             <a:r>
               <a:rPr lang="es-ES" sz="2300" b="1" dirty="0">
@@ -8846,19 +8918,7 @@
                 <a:latin typeface="Arial" pitchFamily="34" charset="0"/>
                 <a:cs typeface="Arial" pitchFamily="34" charset="0"/>
               </a:rPr>
-              <a:t>                        </a:t>
-            </a:r>
-            <a:r>
-              <a:rPr lang="es-ES" sz="2300" dirty="0">
-                <a:solidFill>
-                  <a:schemeClr val="bg2">
-                    <a:lumMod val="25000"/>
-                  </a:schemeClr>
-                </a:solidFill>
-                <a:latin typeface="Arial" pitchFamily="34" charset="0"/>
-                <a:cs typeface="Arial" pitchFamily="34" charset="0"/>
-              </a:rPr>
-              <a:t>"materias " </a:t>
+              <a:t>                        "materias " </a:t>
             </a:r>
             <a:r>
               <a:rPr lang="es-ES" sz="2300" b="1" dirty="0">
@@ -8880,7 +8940,31 @@
                 <a:latin typeface="Arial" pitchFamily="34" charset="0"/>
                 <a:cs typeface="Arial" pitchFamily="34" charset="0"/>
               </a:rPr>
-              <a:t> ["Computación", "Física", "Química"]        </a:t>
+              <a:t> </a:t>
+            </a:r>
+            <a:r>
+              <a:rPr lang="es-ES" sz="2300" b="1" dirty="0">
+                <a:solidFill>
+                  <a:schemeClr val="bg2">
+                    <a:lumMod val="25000"/>
+                  </a:schemeClr>
+                </a:solidFill>
+                <a:latin typeface="Arial" pitchFamily="34" charset="0"/>
+                <a:cs typeface="Arial" pitchFamily="34" charset="0"/>
+              </a:rPr>
+              <a:t>["Computación", "Física", "Química"]</a:t>
+            </a:r>
+            <a:r>
+              <a:rPr lang="es-ES" sz="2300" dirty="0">
+                <a:solidFill>
+                  <a:schemeClr val="bg2">
+                    <a:lumMod val="25000"/>
+                  </a:schemeClr>
+                </a:solidFill>
+                <a:latin typeface="Arial" pitchFamily="34" charset="0"/>
+                <a:cs typeface="Arial" pitchFamily="34" charset="0"/>
+              </a:rPr>
+              <a:t>        </a:t>
             </a:r>
           </a:p>
           <a:p>

--- a/Calendario/Presentaciones/13_Diccionarios.pptx
+++ b/Calendario/Presentaciones/13_Diccionarios.pptx
@@ -220,7 +220,7 @@
           <a:p>
             <a:fld id="{59C7E2AA-6A4C-4042-9554-ED2A913B287A}" type="datetimeFigureOut">
               <a:rPr lang="es-MX" smtClean="0"/>
-              <a:t>22/05/2022</a:t>
+              <a:t>23/05/2022</a:t>
             </a:fld>
             <a:endParaRPr lang="es-MX" dirty="0"/>
           </a:p>
@@ -2143,7 +2143,7 @@
           <a:p>
             <a:fld id="{BAE3B62E-9D6B-4C41-BFE5-D19C53A0513B}" type="datetimeFigureOut">
               <a:rPr lang="es-MX" smtClean="0"/>
-              <a:t>22/05/2022</a:t>
+              <a:t>23/05/2022</a:t>
             </a:fld>
             <a:endParaRPr lang="es-MX" dirty="0"/>
           </a:p>
@@ -2313,7 +2313,7 @@
           <a:p>
             <a:fld id="{BAE3B62E-9D6B-4C41-BFE5-D19C53A0513B}" type="datetimeFigureOut">
               <a:rPr lang="es-MX" smtClean="0"/>
-              <a:t>22/05/2022</a:t>
+              <a:t>23/05/2022</a:t>
             </a:fld>
             <a:endParaRPr lang="es-MX" dirty="0"/>
           </a:p>
@@ -2493,7 +2493,7 @@
           <a:p>
             <a:fld id="{BAE3B62E-9D6B-4C41-BFE5-D19C53A0513B}" type="datetimeFigureOut">
               <a:rPr lang="es-MX" smtClean="0"/>
-              <a:t>22/05/2022</a:t>
+              <a:t>23/05/2022</a:t>
             </a:fld>
             <a:endParaRPr lang="es-MX" dirty="0"/>
           </a:p>
@@ -2646,7 +2646,7 @@
           <a:p>
             <a:fld id="{1D8BD707-D9CF-40AE-B4C6-C98DA3205C09}" type="datetimeFigureOut">
               <a:rPr lang="en-US" smtClean="0"/>
-              <a:t>5/22/2022</a:t>
+              <a:t>5/23/2022</a:t>
             </a:fld>
             <a:endParaRPr lang="en-US"/>
           </a:p>
@@ -2806,7 +2806,7 @@
           <a:p>
             <a:fld id="{BAE3B62E-9D6B-4C41-BFE5-D19C53A0513B}" type="datetimeFigureOut">
               <a:rPr lang="es-MX" smtClean="0"/>
-              <a:t>22/05/2022</a:t>
+              <a:t>23/05/2022</a:t>
             </a:fld>
             <a:endParaRPr lang="es-MX" dirty="0"/>
           </a:p>
@@ -3052,7 +3052,7 @@
           <a:p>
             <a:fld id="{BAE3B62E-9D6B-4C41-BFE5-D19C53A0513B}" type="datetimeFigureOut">
               <a:rPr lang="es-MX" smtClean="0"/>
-              <a:t>22/05/2022</a:t>
+              <a:t>23/05/2022</a:t>
             </a:fld>
             <a:endParaRPr lang="es-MX" dirty="0"/>
           </a:p>
@@ -3340,7 +3340,7 @@
           <a:p>
             <a:fld id="{BAE3B62E-9D6B-4C41-BFE5-D19C53A0513B}" type="datetimeFigureOut">
               <a:rPr lang="es-MX" smtClean="0"/>
-              <a:t>22/05/2022</a:t>
+              <a:t>23/05/2022</a:t>
             </a:fld>
             <a:endParaRPr lang="es-MX" dirty="0"/>
           </a:p>
@@ -3762,7 +3762,7 @@
           <a:p>
             <a:fld id="{BAE3B62E-9D6B-4C41-BFE5-D19C53A0513B}" type="datetimeFigureOut">
               <a:rPr lang="es-MX" smtClean="0"/>
-              <a:t>22/05/2022</a:t>
+              <a:t>23/05/2022</a:t>
             </a:fld>
             <a:endParaRPr lang="es-MX" dirty="0"/>
           </a:p>
@@ -3880,7 +3880,7 @@
           <a:p>
             <a:fld id="{BAE3B62E-9D6B-4C41-BFE5-D19C53A0513B}" type="datetimeFigureOut">
               <a:rPr lang="es-MX" smtClean="0"/>
-              <a:t>22/05/2022</a:t>
+              <a:t>23/05/2022</a:t>
             </a:fld>
             <a:endParaRPr lang="es-MX" dirty="0"/>
           </a:p>
@@ -3975,7 +3975,7 @@
           <a:p>
             <a:fld id="{BAE3B62E-9D6B-4C41-BFE5-D19C53A0513B}" type="datetimeFigureOut">
               <a:rPr lang="es-MX" smtClean="0"/>
-              <a:t>22/05/2022</a:t>
+              <a:t>23/05/2022</a:t>
             </a:fld>
             <a:endParaRPr lang="es-MX" dirty="0"/>
           </a:p>
@@ -4252,7 +4252,7 @@
           <a:p>
             <a:fld id="{BAE3B62E-9D6B-4C41-BFE5-D19C53A0513B}" type="datetimeFigureOut">
               <a:rPr lang="es-MX" smtClean="0"/>
-              <a:t>22/05/2022</a:t>
+              <a:t>23/05/2022</a:t>
             </a:fld>
             <a:endParaRPr lang="es-MX" dirty="0"/>
           </a:p>
@@ -4505,7 +4505,7 @@
           <a:p>
             <a:fld id="{BAE3B62E-9D6B-4C41-BFE5-D19C53A0513B}" type="datetimeFigureOut">
               <a:rPr lang="es-MX" smtClean="0"/>
-              <a:t>22/05/2022</a:t>
+              <a:t>23/05/2022</a:t>
             </a:fld>
             <a:endParaRPr lang="es-MX" dirty="0"/>
           </a:p>
@@ -4718,7 +4718,7 @@
           <a:p>
             <a:fld id="{BAE3B62E-9D6B-4C41-BFE5-D19C53A0513B}" type="datetimeFigureOut">
               <a:rPr lang="es-MX" smtClean="0"/>
-              <a:t>22/05/2022</a:t>
+              <a:t>23/05/2022</a:t>
             </a:fld>
             <a:endParaRPr lang="es-MX" dirty="0"/>
           </a:p>
@@ -8918,7 +8918,7 @@
                 <a:latin typeface="Arial" pitchFamily="34" charset="0"/>
                 <a:cs typeface="Arial" pitchFamily="34" charset="0"/>
               </a:rPr>
-              <a:t>                        "materias " </a:t>
+              <a:t>                        "materias" </a:t>
             </a:r>
             <a:r>
               <a:rPr lang="es-ES" sz="2300" b="1" dirty="0">
